--- a/Evaluating ML algorithm with balanced and unbalanced datasets.pptx
+++ b/Evaluating ML algorithm with balanced and unbalanced datasets.pptx
@@ -16,7 +16,6 @@
     <p:sldId id="270" r:id="rId10"/>
     <p:sldId id="265" r:id="rId11"/>
     <p:sldId id="266" r:id="rId12"/>
-    <p:sldId id="262" r:id="rId13"/>
   </p:sldIdLst>
   <p:sldSz cx="9144000" cy="6858000" type="screen4x3"/>
   <p:notesSz cx="6858000" cy="9144000"/>
@@ -115,6 +114,22 @@
       </a:defRPr>
     </a:lvl9pPr>
   </p:defaultTextStyle>
+  <p:extLst>
+    <p:ext uri="{EFAFB233-063F-42B5-8137-9DF3F51BA10A}">
+      <p15:sldGuideLst xmlns:p15="http://schemas.microsoft.com/office/powerpoint/2012/main">
+        <p15:guide id="1" orient="horz" pos="2160">
+          <p15:clr>
+            <a:srgbClr val="A4A3A4"/>
+          </p15:clr>
+        </p15:guide>
+        <p15:guide id="2" pos="2880">
+          <p15:clr>
+            <a:srgbClr val="A4A3A4"/>
+          </p15:clr>
+        </p15:guide>
+      </p15:sldGuideLst>
+    </p:ext>
+  </p:extLst>
 </p:presentation>
 </file>
 
@@ -156,7 +171,7 @@
           <a:lstStyle/>
           <a:p>
             <a:r>
-              <a:rPr lang="en-US" smtClean="0"/>
+              <a:rPr lang="en-US"/>
               <a:t>Click to edit Master title style</a:t>
             </a:r>
             <a:endParaRPr lang="en-IN"/>
@@ -275,7 +290,7 @@
           </a:lstStyle>
           <a:p>
             <a:r>
-              <a:rPr lang="en-US" smtClean="0"/>
+              <a:rPr lang="en-US"/>
               <a:t>Click to edit Master subtitle style</a:t>
             </a:r>
             <a:endParaRPr lang="en-IN"/>
@@ -299,7 +314,6 @@
           <a:p>
             <a:fld id="{291FC61F-365F-4333-A130-57F5705B139F}" type="datetimeFigureOut">
               <a:rPr lang="en-IN" smtClean="0"/>
-              <a:pPr/>
               <a:t>26-08-2019</a:t>
             </a:fld>
             <a:endParaRPr lang="en-IN"/>
@@ -342,7 +356,6 @@
           <a:p>
             <a:fld id="{1149C42B-2C36-4CCD-8E23-2CD2C275855F}" type="slidenum">
               <a:rPr lang="en-IN" smtClean="0"/>
-              <a:pPr/>
               <a:t>‹#›</a:t>
             </a:fld>
             <a:endParaRPr lang="en-IN"/>
@@ -352,7 +365,7 @@
     </p:spTree>
     <p:extLst>
       <p:ext uri="{BB962C8B-B14F-4D97-AF65-F5344CB8AC3E}">
-        <p14:creationId xmlns:p14="http://schemas.microsoft.com/office/powerpoint/2010/main" xmlns="" val="2107792624"/>
+        <p14:creationId xmlns:p14="http://schemas.microsoft.com/office/powerpoint/2010/main" val="2107792624"/>
       </p:ext>
     </p:extLst>
   </p:cSld>
@@ -395,7 +408,7 @@
           <a:lstStyle/>
           <a:p>
             <a:r>
-              <a:rPr lang="en-US" smtClean="0"/>
+              <a:rPr lang="en-US"/>
               <a:t>Click to edit Master title style</a:t>
             </a:r>
             <a:endParaRPr lang="en-IN"/>
@@ -419,35 +432,35 @@
           <a:p>
             <a:pPr lvl="0"/>
             <a:r>
-              <a:rPr lang="en-US" smtClean="0"/>
+              <a:rPr lang="en-US"/>
               <a:t>Click to edit Master text styles</a:t>
             </a:r>
           </a:p>
           <a:p>
             <a:pPr lvl="1"/>
             <a:r>
-              <a:rPr lang="en-US" smtClean="0"/>
+              <a:rPr lang="en-US"/>
               <a:t>Second level</a:t>
             </a:r>
           </a:p>
           <a:p>
             <a:pPr lvl="2"/>
             <a:r>
-              <a:rPr lang="en-US" smtClean="0"/>
+              <a:rPr lang="en-US"/>
               <a:t>Third level</a:t>
             </a:r>
           </a:p>
           <a:p>
             <a:pPr lvl="3"/>
             <a:r>
-              <a:rPr lang="en-US" smtClean="0"/>
+              <a:rPr lang="en-US"/>
               <a:t>Fourth level</a:t>
             </a:r>
           </a:p>
           <a:p>
             <a:pPr lvl="4"/>
             <a:r>
-              <a:rPr lang="en-US" smtClean="0"/>
+              <a:rPr lang="en-US"/>
               <a:t>Fifth level</a:t>
             </a:r>
             <a:endParaRPr lang="en-IN"/>
@@ -471,7 +484,6 @@
           <a:p>
             <a:fld id="{291FC61F-365F-4333-A130-57F5705B139F}" type="datetimeFigureOut">
               <a:rPr lang="en-IN" smtClean="0"/>
-              <a:pPr/>
               <a:t>26-08-2019</a:t>
             </a:fld>
             <a:endParaRPr lang="en-IN"/>
@@ -514,7 +526,6 @@
           <a:p>
             <a:fld id="{1149C42B-2C36-4CCD-8E23-2CD2C275855F}" type="slidenum">
               <a:rPr lang="en-IN" smtClean="0"/>
-              <a:pPr/>
               <a:t>‹#›</a:t>
             </a:fld>
             <a:endParaRPr lang="en-IN"/>
@@ -524,7 +535,7 @@
     </p:spTree>
     <p:extLst>
       <p:ext uri="{BB962C8B-B14F-4D97-AF65-F5344CB8AC3E}">
-        <p14:creationId xmlns:p14="http://schemas.microsoft.com/office/powerpoint/2010/main" xmlns="" val="351411522"/>
+        <p14:creationId xmlns:p14="http://schemas.microsoft.com/office/powerpoint/2010/main" val="351411522"/>
       </p:ext>
     </p:extLst>
   </p:cSld>
@@ -572,7 +583,7 @@
           <a:lstStyle/>
           <a:p>
             <a:r>
-              <a:rPr lang="en-US" smtClean="0"/>
+              <a:rPr lang="en-US"/>
               <a:t>Click to edit Master title style</a:t>
             </a:r>
             <a:endParaRPr lang="en-IN"/>
@@ -601,35 +612,35 @@
           <a:p>
             <a:pPr lvl="0"/>
             <a:r>
-              <a:rPr lang="en-US" smtClean="0"/>
+              <a:rPr lang="en-US"/>
               <a:t>Click to edit Master text styles</a:t>
             </a:r>
           </a:p>
           <a:p>
             <a:pPr lvl="1"/>
             <a:r>
-              <a:rPr lang="en-US" smtClean="0"/>
+              <a:rPr lang="en-US"/>
               <a:t>Second level</a:t>
             </a:r>
           </a:p>
           <a:p>
             <a:pPr lvl="2"/>
             <a:r>
-              <a:rPr lang="en-US" smtClean="0"/>
+              <a:rPr lang="en-US"/>
               <a:t>Third level</a:t>
             </a:r>
           </a:p>
           <a:p>
             <a:pPr lvl="3"/>
             <a:r>
-              <a:rPr lang="en-US" smtClean="0"/>
+              <a:rPr lang="en-US"/>
               <a:t>Fourth level</a:t>
             </a:r>
           </a:p>
           <a:p>
             <a:pPr lvl="4"/>
             <a:r>
-              <a:rPr lang="en-US" smtClean="0"/>
+              <a:rPr lang="en-US"/>
               <a:t>Fifth level</a:t>
             </a:r>
             <a:endParaRPr lang="en-IN"/>
@@ -653,7 +664,6 @@
           <a:p>
             <a:fld id="{291FC61F-365F-4333-A130-57F5705B139F}" type="datetimeFigureOut">
               <a:rPr lang="en-IN" smtClean="0"/>
-              <a:pPr/>
               <a:t>26-08-2019</a:t>
             </a:fld>
             <a:endParaRPr lang="en-IN"/>
@@ -696,7 +706,6 @@
           <a:p>
             <a:fld id="{1149C42B-2C36-4CCD-8E23-2CD2C275855F}" type="slidenum">
               <a:rPr lang="en-IN" smtClean="0"/>
-              <a:pPr/>
               <a:t>‹#›</a:t>
             </a:fld>
             <a:endParaRPr lang="en-IN"/>
@@ -706,7 +715,7 @@
     </p:spTree>
     <p:extLst>
       <p:ext uri="{BB962C8B-B14F-4D97-AF65-F5344CB8AC3E}">
-        <p14:creationId xmlns:p14="http://schemas.microsoft.com/office/powerpoint/2010/main" xmlns="" val="2998678397"/>
+        <p14:creationId xmlns:p14="http://schemas.microsoft.com/office/powerpoint/2010/main" val="2998678397"/>
       </p:ext>
     </p:extLst>
   </p:cSld>
@@ -749,7 +758,7 @@
           <a:lstStyle/>
           <a:p>
             <a:r>
-              <a:rPr lang="en-US" smtClean="0"/>
+              <a:rPr lang="en-US"/>
               <a:t>Click to edit Master title style</a:t>
             </a:r>
             <a:endParaRPr lang="en-IN"/>
@@ -773,35 +782,35 @@
           <a:p>
             <a:pPr lvl="0"/>
             <a:r>
-              <a:rPr lang="en-US" smtClean="0"/>
+              <a:rPr lang="en-US"/>
               <a:t>Click to edit Master text styles</a:t>
             </a:r>
           </a:p>
           <a:p>
             <a:pPr lvl="1"/>
             <a:r>
-              <a:rPr lang="en-US" smtClean="0"/>
+              <a:rPr lang="en-US"/>
               <a:t>Second level</a:t>
             </a:r>
           </a:p>
           <a:p>
             <a:pPr lvl="2"/>
             <a:r>
-              <a:rPr lang="en-US" smtClean="0"/>
+              <a:rPr lang="en-US"/>
               <a:t>Third level</a:t>
             </a:r>
           </a:p>
           <a:p>
             <a:pPr lvl="3"/>
             <a:r>
-              <a:rPr lang="en-US" smtClean="0"/>
+              <a:rPr lang="en-US"/>
               <a:t>Fourth level</a:t>
             </a:r>
           </a:p>
           <a:p>
             <a:pPr lvl="4"/>
             <a:r>
-              <a:rPr lang="en-US" smtClean="0"/>
+              <a:rPr lang="en-US"/>
               <a:t>Fifth level</a:t>
             </a:r>
             <a:endParaRPr lang="en-IN"/>
@@ -825,7 +834,6 @@
           <a:p>
             <a:fld id="{291FC61F-365F-4333-A130-57F5705B139F}" type="datetimeFigureOut">
               <a:rPr lang="en-IN" smtClean="0"/>
-              <a:pPr/>
               <a:t>26-08-2019</a:t>
             </a:fld>
             <a:endParaRPr lang="en-IN"/>
@@ -868,7 +876,6 @@
           <a:p>
             <a:fld id="{1149C42B-2C36-4CCD-8E23-2CD2C275855F}" type="slidenum">
               <a:rPr lang="en-IN" smtClean="0"/>
-              <a:pPr/>
               <a:t>‹#›</a:t>
             </a:fld>
             <a:endParaRPr lang="en-IN"/>
@@ -878,7 +885,7 @@
     </p:spTree>
     <p:extLst>
       <p:ext uri="{BB962C8B-B14F-4D97-AF65-F5344CB8AC3E}">
-        <p14:creationId xmlns:p14="http://schemas.microsoft.com/office/powerpoint/2010/main" xmlns="" val="570198903"/>
+        <p14:creationId xmlns:p14="http://schemas.microsoft.com/office/powerpoint/2010/main" val="570198903"/>
       </p:ext>
     </p:extLst>
   </p:cSld>
@@ -930,7 +937,7 @@
           </a:lstStyle>
           <a:p>
             <a:r>
-              <a:rPr lang="en-US" smtClean="0"/>
+              <a:rPr lang="en-US"/>
               <a:t>Click to edit Master title style</a:t>
             </a:r>
             <a:endParaRPr lang="en-IN"/>
@@ -1050,7 +1057,7 @@
           <a:p>
             <a:pPr lvl="0"/>
             <a:r>
-              <a:rPr lang="en-US" smtClean="0"/>
+              <a:rPr lang="en-US"/>
               <a:t>Click to edit Master text styles</a:t>
             </a:r>
           </a:p>
@@ -1073,7 +1080,6 @@
           <a:p>
             <a:fld id="{291FC61F-365F-4333-A130-57F5705B139F}" type="datetimeFigureOut">
               <a:rPr lang="en-IN" smtClean="0"/>
-              <a:pPr/>
               <a:t>26-08-2019</a:t>
             </a:fld>
             <a:endParaRPr lang="en-IN"/>
@@ -1116,7 +1122,6 @@
           <a:p>
             <a:fld id="{1149C42B-2C36-4CCD-8E23-2CD2C275855F}" type="slidenum">
               <a:rPr lang="en-IN" smtClean="0"/>
-              <a:pPr/>
               <a:t>‹#›</a:t>
             </a:fld>
             <a:endParaRPr lang="en-IN"/>
@@ -1126,7 +1131,7 @@
     </p:spTree>
     <p:extLst>
       <p:ext uri="{BB962C8B-B14F-4D97-AF65-F5344CB8AC3E}">
-        <p14:creationId xmlns:p14="http://schemas.microsoft.com/office/powerpoint/2010/main" xmlns="" val="2092433001"/>
+        <p14:creationId xmlns:p14="http://schemas.microsoft.com/office/powerpoint/2010/main" val="2092433001"/>
       </p:ext>
     </p:extLst>
   </p:cSld>
@@ -1169,7 +1174,7 @@
           <a:lstStyle/>
           <a:p>
             <a:r>
-              <a:rPr lang="en-US" smtClean="0"/>
+              <a:rPr lang="en-US"/>
               <a:t>Click to edit Master title style</a:t>
             </a:r>
             <a:endParaRPr lang="en-IN"/>
@@ -1226,35 +1231,35 @@
           <a:p>
             <a:pPr lvl="0"/>
             <a:r>
-              <a:rPr lang="en-US" smtClean="0"/>
+              <a:rPr lang="en-US"/>
               <a:t>Click to edit Master text styles</a:t>
             </a:r>
           </a:p>
           <a:p>
             <a:pPr lvl="1"/>
             <a:r>
-              <a:rPr lang="en-US" smtClean="0"/>
+              <a:rPr lang="en-US"/>
               <a:t>Second level</a:t>
             </a:r>
           </a:p>
           <a:p>
             <a:pPr lvl="2"/>
             <a:r>
-              <a:rPr lang="en-US" smtClean="0"/>
+              <a:rPr lang="en-US"/>
               <a:t>Third level</a:t>
             </a:r>
           </a:p>
           <a:p>
             <a:pPr lvl="3"/>
             <a:r>
-              <a:rPr lang="en-US" smtClean="0"/>
+              <a:rPr lang="en-US"/>
               <a:t>Fourth level</a:t>
             </a:r>
           </a:p>
           <a:p>
             <a:pPr lvl="4"/>
             <a:r>
-              <a:rPr lang="en-US" smtClean="0"/>
+              <a:rPr lang="en-US"/>
               <a:t>Fifth level</a:t>
             </a:r>
             <a:endParaRPr lang="en-IN"/>
@@ -1311,35 +1316,35 @@
           <a:p>
             <a:pPr lvl="0"/>
             <a:r>
-              <a:rPr lang="en-US" smtClean="0"/>
+              <a:rPr lang="en-US"/>
               <a:t>Click to edit Master text styles</a:t>
             </a:r>
           </a:p>
           <a:p>
             <a:pPr lvl="1"/>
             <a:r>
-              <a:rPr lang="en-US" smtClean="0"/>
+              <a:rPr lang="en-US"/>
               <a:t>Second level</a:t>
             </a:r>
           </a:p>
           <a:p>
             <a:pPr lvl="2"/>
             <a:r>
-              <a:rPr lang="en-US" smtClean="0"/>
+              <a:rPr lang="en-US"/>
               <a:t>Third level</a:t>
             </a:r>
           </a:p>
           <a:p>
             <a:pPr lvl="3"/>
             <a:r>
-              <a:rPr lang="en-US" smtClean="0"/>
+              <a:rPr lang="en-US"/>
               <a:t>Fourth level</a:t>
             </a:r>
           </a:p>
           <a:p>
             <a:pPr lvl="4"/>
             <a:r>
-              <a:rPr lang="en-US" smtClean="0"/>
+              <a:rPr lang="en-US"/>
               <a:t>Fifth level</a:t>
             </a:r>
             <a:endParaRPr lang="en-IN"/>
@@ -1363,7 +1368,6 @@
           <a:p>
             <a:fld id="{291FC61F-365F-4333-A130-57F5705B139F}" type="datetimeFigureOut">
               <a:rPr lang="en-IN" smtClean="0"/>
-              <a:pPr/>
               <a:t>26-08-2019</a:t>
             </a:fld>
             <a:endParaRPr lang="en-IN"/>
@@ -1406,7 +1410,6 @@
           <a:p>
             <a:fld id="{1149C42B-2C36-4CCD-8E23-2CD2C275855F}" type="slidenum">
               <a:rPr lang="en-IN" smtClean="0"/>
-              <a:pPr/>
               <a:t>‹#›</a:t>
             </a:fld>
             <a:endParaRPr lang="en-IN"/>
@@ -1416,7 +1419,7 @@
     </p:spTree>
     <p:extLst>
       <p:ext uri="{BB962C8B-B14F-4D97-AF65-F5344CB8AC3E}">
-        <p14:creationId xmlns:p14="http://schemas.microsoft.com/office/powerpoint/2010/main" xmlns="" val="51252474"/>
+        <p14:creationId xmlns:p14="http://schemas.microsoft.com/office/powerpoint/2010/main" val="51252474"/>
       </p:ext>
     </p:extLst>
   </p:cSld>
@@ -1463,7 +1466,7 @@
           </a:lstStyle>
           <a:p>
             <a:r>
-              <a:rPr lang="en-US" smtClean="0"/>
+              <a:rPr lang="en-US"/>
               <a:t>Click to edit Master title style</a:t>
             </a:r>
             <a:endParaRPr lang="en-IN"/>
@@ -1529,7 +1532,7 @@
           <a:p>
             <a:pPr lvl="0"/>
             <a:r>
-              <a:rPr lang="en-US" smtClean="0"/>
+              <a:rPr lang="en-US"/>
               <a:t>Click to edit Master text styles</a:t>
             </a:r>
           </a:p>
@@ -1585,35 +1588,35 @@
           <a:p>
             <a:pPr lvl="0"/>
             <a:r>
-              <a:rPr lang="en-US" smtClean="0"/>
+              <a:rPr lang="en-US"/>
               <a:t>Click to edit Master text styles</a:t>
             </a:r>
           </a:p>
           <a:p>
             <a:pPr lvl="1"/>
             <a:r>
-              <a:rPr lang="en-US" smtClean="0"/>
+              <a:rPr lang="en-US"/>
               <a:t>Second level</a:t>
             </a:r>
           </a:p>
           <a:p>
             <a:pPr lvl="2"/>
             <a:r>
-              <a:rPr lang="en-US" smtClean="0"/>
+              <a:rPr lang="en-US"/>
               <a:t>Third level</a:t>
             </a:r>
           </a:p>
           <a:p>
             <a:pPr lvl="3"/>
             <a:r>
-              <a:rPr lang="en-US" smtClean="0"/>
+              <a:rPr lang="en-US"/>
               <a:t>Fourth level</a:t>
             </a:r>
           </a:p>
           <a:p>
             <a:pPr lvl="4"/>
             <a:r>
-              <a:rPr lang="en-US" smtClean="0"/>
+              <a:rPr lang="en-US"/>
               <a:t>Fifth level</a:t>
             </a:r>
             <a:endParaRPr lang="en-IN"/>
@@ -1679,7 +1682,7 @@
           <a:p>
             <a:pPr lvl="0"/>
             <a:r>
-              <a:rPr lang="en-US" smtClean="0"/>
+              <a:rPr lang="en-US"/>
               <a:t>Click to edit Master text styles</a:t>
             </a:r>
           </a:p>
@@ -1735,35 +1738,35 @@
           <a:p>
             <a:pPr lvl="0"/>
             <a:r>
-              <a:rPr lang="en-US" smtClean="0"/>
+              <a:rPr lang="en-US"/>
               <a:t>Click to edit Master text styles</a:t>
             </a:r>
           </a:p>
           <a:p>
             <a:pPr lvl="1"/>
             <a:r>
-              <a:rPr lang="en-US" smtClean="0"/>
+              <a:rPr lang="en-US"/>
               <a:t>Second level</a:t>
             </a:r>
           </a:p>
           <a:p>
             <a:pPr lvl="2"/>
             <a:r>
-              <a:rPr lang="en-US" smtClean="0"/>
+              <a:rPr lang="en-US"/>
               <a:t>Third level</a:t>
             </a:r>
           </a:p>
           <a:p>
             <a:pPr lvl="3"/>
             <a:r>
-              <a:rPr lang="en-US" smtClean="0"/>
+              <a:rPr lang="en-US"/>
               <a:t>Fourth level</a:t>
             </a:r>
           </a:p>
           <a:p>
             <a:pPr lvl="4"/>
             <a:r>
-              <a:rPr lang="en-US" smtClean="0"/>
+              <a:rPr lang="en-US"/>
               <a:t>Fifth level</a:t>
             </a:r>
             <a:endParaRPr lang="en-IN"/>
@@ -1787,7 +1790,6 @@
           <a:p>
             <a:fld id="{291FC61F-365F-4333-A130-57F5705B139F}" type="datetimeFigureOut">
               <a:rPr lang="en-IN" smtClean="0"/>
-              <a:pPr/>
               <a:t>26-08-2019</a:t>
             </a:fld>
             <a:endParaRPr lang="en-IN"/>
@@ -1830,7 +1832,6 @@
           <a:p>
             <a:fld id="{1149C42B-2C36-4CCD-8E23-2CD2C275855F}" type="slidenum">
               <a:rPr lang="en-IN" smtClean="0"/>
-              <a:pPr/>
               <a:t>‹#›</a:t>
             </a:fld>
             <a:endParaRPr lang="en-IN"/>
@@ -1840,7 +1841,7 @@
     </p:spTree>
     <p:extLst>
       <p:ext uri="{BB962C8B-B14F-4D97-AF65-F5344CB8AC3E}">
-        <p14:creationId xmlns:p14="http://schemas.microsoft.com/office/powerpoint/2010/main" xmlns="" val="376007654"/>
+        <p14:creationId xmlns:p14="http://schemas.microsoft.com/office/powerpoint/2010/main" val="376007654"/>
       </p:ext>
     </p:extLst>
   </p:cSld>
@@ -1883,7 +1884,7 @@
           <a:lstStyle/>
           <a:p>
             <a:r>
-              <a:rPr lang="en-US" smtClean="0"/>
+              <a:rPr lang="en-US"/>
               <a:t>Click to edit Master title style</a:t>
             </a:r>
             <a:endParaRPr lang="en-IN"/>
@@ -1907,7 +1908,6 @@
           <a:p>
             <a:fld id="{291FC61F-365F-4333-A130-57F5705B139F}" type="datetimeFigureOut">
               <a:rPr lang="en-IN" smtClean="0"/>
-              <a:pPr/>
               <a:t>26-08-2019</a:t>
             </a:fld>
             <a:endParaRPr lang="en-IN"/>
@@ -1950,7 +1950,6 @@
           <a:p>
             <a:fld id="{1149C42B-2C36-4CCD-8E23-2CD2C275855F}" type="slidenum">
               <a:rPr lang="en-IN" smtClean="0"/>
-              <a:pPr/>
               <a:t>‹#›</a:t>
             </a:fld>
             <a:endParaRPr lang="en-IN"/>
@@ -1960,7 +1959,7 @@
     </p:spTree>
     <p:extLst>
       <p:ext uri="{BB962C8B-B14F-4D97-AF65-F5344CB8AC3E}">
-        <p14:creationId xmlns:p14="http://schemas.microsoft.com/office/powerpoint/2010/main" xmlns="" val="4147426643"/>
+        <p14:creationId xmlns:p14="http://schemas.microsoft.com/office/powerpoint/2010/main" val="4147426643"/>
       </p:ext>
     </p:extLst>
   </p:cSld>
@@ -2004,7 +2003,6 @@
           <a:p>
             <a:fld id="{291FC61F-365F-4333-A130-57F5705B139F}" type="datetimeFigureOut">
               <a:rPr lang="en-IN" smtClean="0"/>
-              <a:pPr/>
               <a:t>26-08-2019</a:t>
             </a:fld>
             <a:endParaRPr lang="en-IN"/>
@@ -2047,7 +2045,6 @@
           <a:p>
             <a:fld id="{1149C42B-2C36-4CCD-8E23-2CD2C275855F}" type="slidenum">
               <a:rPr lang="en-IN" smtClean="0"/>
-              <a:pPr/>
               <a:t>‹#›</a:t>
             </a:fld>
             <a:endParaRPr lang="en-IN"/>
@@ -2057,7 +2054,7 @@
     </p:spTree>
     <p:extLst>
       <p:ext uri="{BB962C8B-B14F-4D97-AF65-F5344CB8AC3E}">
-        <p14:creationId xmlns:p14="http://schemas.microsoft.com/office/powerpoint/2010/main" xmlns="" val="2720830248"/>
+        <p14:creationId xmlns:p14="http://schemas.microsoft.com/office/powerpoint/2010/main" val="2720830248"/>
       </p:ext>
     </p:extLst>
   </p:cSld>
@@ -2109,7 +2106,7 @@
           </a:lstStyle>
           <a:p>
             <a:r>
-              <a:rPr lang="en-US" smtClean="0"/>
+              <a:rPr lang="en-US"/>
               <a:t>Click to edit Master title style</a:t>
             </a:r>
             <a:endParaRPr lang="en-IN"/>
@@ -2166,35 +2163,35 @@
           <a:p>
             <a:pPr lvl="0"/>
             <a:r>
-              <a:rPr lang="en-US" smtClean="0"/>
+              <a:rPr lang="en-US"/>
               <a:t>Click to edit Master text styles</a:t>
             </a:r>
           </a:p>
           <a:p>
             <a:pPr lvl="1"/>
             <a:r>
-              <a:rPr lang="en-US" smtClean="0"/>
+              <a:rPr lang="en-US"/>
               <a:t>Second level</a:t>
             </a:r>
           </a:p>
           <a:p>
             <a:pPr lvl="2"/>
             <a:r>
-              <a:rPr lang="en-US" smtClean="0"/>
+              <a:rPr lang="en-US"/>
               <a:t>Third level</a:t>
             </a:r>
           </a:p>
           <a:p>
             <a:pPr lvl="3"/>
             <a:r>
-              <a:rPr lang="en-US" smtClean="0"/>
+              <a:rPr lang="en-US"/>
               <a:t>Fourth level</a:t>
             </a:r>
           </a:p>
           <a:p>
             <a:pPr lvl="4"/>
             <a:r>
-              <a:rPr lang="en-US" smtClean="0"/>
+              <a:rPr lang="en-US"/>
               <a:t>Fifth level</a:t>
             </a:r>
             <a:endParaRPr lang="en-IN"/>
@@ -2260,7 +2257,7 @@
           <a:p>
             <a:pPr lvl="0"/>
             <a:r>
-              <a:rPr lang="en-US" smtClean="0"/>
+              <a:rPr lang="en-US"/>
               <a:t>Click to edit Master text styles</a:t>
             </a:r>
           </a:p>
@@ -2283,7 +2280,6 @@
           <a:p>
             <a:fld id="{291FC61F-365F-4333-A130-57F5705B139F}" type="datetimeFigureOut">
               <a:rPr lang="en-IN" smtClean="0"/>
-              <a:pPr/>
               <a:t>26-08-2019</a:t>
             </a:fld>
             <a:endParaRPr lang="en-IN"/>
@@ -2326,7 +2322,6 @@
           <a:p>
             <a:fld id="{1149C42B-2C36-4CCD-8E23-2CD2C275855F}" type="slidenum">
               <a:rPr lang="en-IN" smtClean="0"/>
-              <a:pPr/>
               <a:t>‹#›</a:t>
             </a:fld>
             <a:endParaRPr lang="en-IN"/>
@@ -2336,7 +2331,7 @@
     </p:spTree>
     <p:extLst>
       <p:ext uri="{BB962C8B-B14F-4D97-AF65-F5344CB8AC3E}">
-        <p14:creationId xmlns:p14="http://schemas.microsoft.com/office/powerpoint/2010/main" xmlns="" val="4210852300"/>
+        <p14:creationId xmlns:p14="http://schemas.microsoft.com/office/powerpoint/2010/main" val="4210852300"/>
       </p:ext>
     </p:extLst>
   </p:cSld>
@@ -2388,7 +2383,7 @@
           </a:lstStyle>
           <a:p>
             <a:r>
-              <a:rPr lang="en-US" smtClean="0"/>
+              <a:rPr lang="en-US"/>
               <a:t>Click to edit Master title style</a:t>
             </a:r>
             <a:endParaRPr lang="en-IN"/>
@@ -2515,7 +2510,7 @@
           <a:p>
             <a:pPr lvl="0"/>
             <a:r>
-              <a:rPr lang="en-US" smtClean="0"/>
+              <a:rPr lang="en-US"/>
               <a:t>Click to edit Master text styles</a:t>
             </a:r>
           </a:p>
@@ -2538,7 +2533,6 @@
           <a:p>
             <a:fld id="{291FC61F-365F-4333-A130-57F5705B139F}" type="datetimeFigureOut">
               <a:rPr lang="en-IN" smtClean="0"/>
-              <a:pPr/>
               <a:t>26-08-2019</a:t>
             </a:fld>
             <a:endParaRPr lang="en-IN"/>
@@ -2581,7 +2575,6 @@
           <a:p>
             <a:fld id="{1149C42B-2C36-4CCD-8E23-2CD2C275855F}" type="slidenum">
               <a:rPr lang="en-IN" smtClean="0"/>
-              <a:pPr/>
               <a:t>‹#›</a:t>
             </a:fld>
             <a:endParaRPr lang="en-IN"/>
@@ -2591,7 +2584,7 @@
     </p:spTree>
     <p:extLst>
       <p:ext uri="{BB962C8B-B14F-4D97-AF65-F5344CB8AC3E}">
-        <p14:creationId xmlns:p14="http://schemas.microsoft.com/office/powerpoint/2010/main" xmlns="" val="636218711"/>
+        <p14:creationId xmlns:p14="http://schemas.microsoft.com/office/powerpoint/2010/main" val="636218711"/>
       </p:ext>
     </p:extLst>
   </p:cSld>
@@ -2649,7 +2642,7 @@
           <a:lstStyle/>
           <a:p>
             <a:r>
-              <a:rPr lang="en-US" smtClean="0"/>
+              <a:rPr lang="en-US"/>
               <a:t>Click to edit Master title style</a:t>
             </a:r>
             <a:endParaRPr lang="en-IN"/>
@@ -2683,35 +2676,35 @@
           <a:p>
             <a:pPr lvl="0"/>
             <a:r>
-              <a:rPr lang="en-US" smtClean="0"/>
+              <a:rPr lang="en-US"/>
               <a:t>Click to edit Master text styles</a:t>
             </a:r>
           </a:p>
           <a:p>
             <a:pPr lvl="1"/>
             <a:r>
-              <a:rPr lang="en-US" smtClean="0"/>
+              <a:rPr lang="en-US"/>
               <a:t>Second level</a:t>
             </a:r>
           </a:p>
           <a:p>
             <a:pPr lvl="2"/>
             <a:r>
-              <a:rPr lang="en-US" smtClean="0"/>
+              <a:rPr lang="en-US"/>
               <a:t>Third level</a:t>
             </a:r>
           </a:p>
           <a:p>
             <a:pPr lvl="3"/>
             <a:r>
-              <a:rPr lang="en-US" smtClean="0"/>
+              <a:rPr lang="en-US"/>
               <a:t>Fourth level</a:t>
             </a:r>
           </a:p>
           <a:p>
             <a:pPr lvl="4"/>
             <a:r>
-              <a:rPr lang="en-US" smtClean="0"/>
+              <a:rPr lang="en-US"/>
               <a:t>Fifth level</a:t>
             </a:r>
             <a:endParaRPr lang="en-IN"/>
@@ -2753,7 +2746,6 @@
           <a:p>
             <a:fld id="{291FC61F-365F-4333-A130-57F5705B139F}" type="datetimeFigureOut">
               <a:rPr lang="en-IN" smtClean="0"/>
-              <a:pPr/>
               <a:t>26-08-2019</a:t>
             </a:fld>
             <a:endParaRPr lang="en-IN"/>
@@ -2832,7 +2824,6 @@
           <a:p>
             <a:fld id="{1149C42B-2C36-4CCD-8E23-2CD2C275855F}" type="slidenum">
               <a:rPr lang="en-IN" smtClean="0"/>
-              <a:pPr/>
               <a:t>‹#›</a:t>
             </a:fld>
             <a:endParaRPr lang="en-IN"/>
@@ -2842,7 +2833,7 @@
     </p:spTree>
     <p:extLst>
       <p:ext uri="{BB962C8B-B14F-4D97-AF65-F5344CB8AC3E}">
-        <p14:creationId xmlns:p14="http://schemas.microsoft.com/office/powerpoint/2010/main" xmlns="" val="3252060252"/>
+        <p14:creationId xmlns:p14="http://schemas.microsoft.com/office/powerpoint/2010/main" val="3252060252"/>
       </p:ext>
     </p:extLst>
   </p:cSld>
@@ -3148,17 +3139,16 @@
           <a:lstStyle/>
           <a:p>
             <a:r>
-              <a:rPr lang="en-IN" b="1" dirty="0" smtClean="0"/>
+              <a:rPr lang="en-IN" b="1" dirty="0"/>
               <a:t>Evaluating ML algorithm with balanced and unbalanced datasets such as credit card fraud detection.</a:t>
             </a:r>
-            <a:endParaRPr lang="en-IN" b="1" dirty="0"/>
           </a:p>
         </p:txBody>
       </p:sp>
     </p:spTree>
     <p:extLst>
       <p:ext uri="{BB962C8B-B14F-4D97-AF65-F5344CB8AC3E}">
-        <p14:creationId xmlns:p14="http://schemas.microsoft.com/office/powerpoint/2010/main" xmlns="" val="1590768577"/>
+        <p14:creationId xmlns:p14="http://schemas.microsoft.com/office/powerpoint/2010/main" val="1590768577"/>
       </p:ext>
     </p:extLst>
   </p:cSld>
@@ -3208,10 +3198,9 @@
           <a:lstStyle/>
           <a:p>
             <a:r>
-              <a:rPr lang="en-IN" dirty="0" smtClean="0"/>
+              <a:rPr lang="en-IN" dirty="0"/>
               <a:t>Matthew correlation coefficient score</a:t>
             </a:r>
-            <a:endParaRPr lang="en-IN" dirty="0"/>
           </a:p>
         </p:txBody>
       </p:sp>
@@ -3238,7 +3227,7 @@
           <a:lstStyle/>
           <a:p>
             <a:r>
-              <a:rPr lang="en-IN" sz="2400" dirty="0" smtClean="0"/>
+              <a:rPr lang="en-IN" sz="2400" dirty="0"/>
               <a:t>	This is a performance score that takes into account true or false positives, as well as true and false negatives. This score gives a good evaluation for imbalanced dataset .</a:t>
             </a:r>
           </a:p>
@@ -3248,77 +3237,72 @@
           <a:p>
             <a:r>
               <a:rPr lang="en-IN" sz="2400" dirty="0"/>
-              <a:t>	</a:t>
-            </a:r>
-            <a:r>
-              <a:rPr lang="en-IN" sz="2400" dirty="0" smtClean="0"/>
-              <a:t>MCC=(</a:t>
-            </a:r>
-            <a:r>
-              <a:rPr lang="en-IN" sz="2400" dirty="0" err="1" smtClean="0"/>
+              <a:t>	MCC=(</a:t>
+            </a:r>
+            <a:r>
+              <a:rPr lang="en-IN" sz="2400" dirty="0" err="1"/>
               <a:t>tp</a:t>
             </a:r>
             <a:r>
-              <a:rPr lang="en-IN" sz="2400" dirty="0" smtClean="0"/>
+              <a:rPr lang="en-IN" sz="2400" dirty="0"/>
               <a:t>*</a:t>
             </a:r>
             <a:r>
-              <a:rPr lang="en-IN" sz="2400" dirty="0" err="1" smtClean="0"/>
+              <a:rPr lang="en-IN" sz="2400" dirty="0" err="1"/>
               <a:t>tn-fp</a:t>
             </a:r>
             <a:r>
-              <a:rPr lang="en-IN" sz="2400" dirty="0" smtClean="0"/>
+              <a:rPr lang="en-IN" sz="2400" dirty="0"/>
               <a:t>*</a:t>
             </a:r>
             <a:r>
-              <a:rPr lang="en-IN" sz="2400" dirty="0" err="1" smtClean="0"/>
+              <a:rPr lang="en-IN" sz="2400" dirty="0" err="1"/>
               <a:t>fn</a:t>
             </a:r>
             <a:r>
-              <a:rPr lang="en-IN" sz="2400" dirty="0" smtClean="0"/>
+              <a:rPr lang="en-IN" sz="2400" dirty="0"/>
               <a:t>)/</a:t>
             </a:r>
             <a:r>
-              <a:rPr lang="en-IN" sz="2400" dirty="0" err="1" smtClean="0"/>
+              <a:rPr lang="en-IN" sz="2400" dirty="0" err="1"/>
               <a:t>sqrt</a:t>
             </a:r>
             <a:r>
-              <a:rPr lang="en-IN" sz="2400" dirty="0" smtClean="0"/>
+              <a:rPr lang="en-IN" sz="2400" dirty="0"/>
               <a:t>((</a:t>
             </a:r>
             <a:r>
-              <a:rPr lang="en-IN" sz="2400" dirty="0" err="1" smtClean="0"/>
+              <a:rPr lang="en-IN" sz="2400" dirty="0" err="1"/>
               <a:t>tp+fp</a:t>
             </a:r>
             <a:r>
-              <a:rPr lang="en-IN" sz="2400" dirty="0" smtClean="0"/>
+              <a:rPr lang="en-IN" sz="2400" dirty="0"/>
               <a:t>)*(</a:t>
             </a:r>
             <a:r>
-              <a:rPr lang="en-IN" sz="2400" dirty="0" err="1" smtClean="0"/>
+              <a:rPr lang="en-IN" sz="2400" dirty="0" err="1"/>
               <a:t>fn+tn</a:t>
             </a:r>
             <a:r>
-              <a:rPr lang="en-IN" sz="2400" dirty="0" smtClean="0"/>
+              <a:rPr lang="en-IN" sz="2400" dirty="0"/>
               <a:t>)*(</a:t>
             </a:r>
             <a:r>
-              <a:rPr lang="en-IN" sz="2400" dirty="0" err="1" smtClean="0"/>
+              <a:rPr lang="en-IN" sz="2400" dirty="0" err="1"/>
               <a:t>tp+fn</a:t>
             </a:r>
             <a:r>
-              <a:rPr lang="en-IN" sz="2400" dirty="0" smtClean="0"/>
+              <a:rPr lang="en-IN" sz="2400" dirty="0"/>
               <a:t>)*(</a:t>
             </a:r>
             <a:r>
-              <a:rPr lang="en-IN" sz="2400" dirty="0" err="1" smtClean="0"/>
+              <a:rPr lang="en-IN" sz="2400" dirty="0" err="1"/>
               <a:t>fp+tn</a:t>
             </a:r>
             <a:r>
-              <a:rPr lang="en-IN" sz="2400" dirty="0" smtClean="0"/>
+              <a:rPr lang="en-IN" sz="2400" dirty="0"/>
               <a:t>))</a:t>
             </a:r>
-            <a:endParaRPr lang="en-IN" sz="2400" dirty="0"/>
           </a:p>
         </p:txBody>
       </p:sp>
@@ -3334,7 +3318,7 @@
           <a:blip r:embed="rId2">
             <a:extLst>
               <a:ext uri="{28A0092B-C50C-407E-A947-70E740481C1C}">
-                <a14:useLocalDpi xmlns:a14="http://schemas.microsoft.com/office/drawing/2010/main" xmlns="" val="0"/>
+                <a14:useLocalDpi xmlns:a14="http://schemas.microsoft.com/office/drawing/2010/main" val="0"/>
               </a:ext>
             </a:extLst>
           </a:blip>
@@ -3354,7 +3338,7 @@
     </p:spTree>
     <p:extLst>
       <p:ext uri="{BB962C8B-B14F-4D97-AF65-F5344CB8AC3E}">
-        <p14:creationId xmlns:p14="http://schemas.microsoft.com/office/powerpoint/2010/main" xmlns="" val="1558808664"/>
+        <p14:creationId xmlns:p14="http://schemas.microsoft.com/office/powerpoint/2010/main" val="1558808664"/>
       </p:ext>
     </p:extLst>
   </p:cSld>
@@ -3399,10 +3383,9 @@
           <a:lstStyle/>
           <a:p>
             <a:r>
-              <a:rPr lang="en-IN" dirty="0" smtClean="0"/>
+              <a:rPr lang="en-IN" dirty="0"/>
               <a:t>Methods of handling imbalanced datasets.</a:t>
             </a:r>
-            <a:endParaRPr lang="en-IN" dirty="0"/>
           </a:p>
         </p:txBody>
       </p:sp>
@@ -3429,7 +3412,7 @@
           <a:lstStyle/>
           <a:p>
             <a:r>
-              <a:rPr lang="en-IN" sz="2400" b="1" dirty="0" smtClean="0"/>
+              <a:rPr lang="en-IN" sz="2400" b="1" dirty="0"/>
               <a:t>Two major methods:</a:t>
             </a:r>
           </a:p>
@@ -3439,7 +3422,7 @@
               <a:buAutoNum type="arabicPeriod"/>
             </a:pPr>
             <a:r>
-              <a:rPr lang="en-IN" sz="2400" dirty="0" smtClean="0"/>
+              <a:rPr lang="en-IN" sz="2400" dirty="0"/>
               <a:t>Over sampling</a:t>
             </a:r>
           </a:p>
@@ -3449,7 +3432,7 @@
               <a:buAutoNum type="arabicPeriod"/>
             </a:pPr>
             <a:r>
-              <a:rPr lang="en-IN" sz="2400" dirty="0" smtClean="0"/>
+              <a:rPr lang="en-IN" sz="2400" dirty="0"/>
               <a:t>Random</a:t>
             </a:r>
           </a:p>
@@ -3459,7 +3442,7 @@
               <a:buAutoNum type="arabicPeriod"/>
             </a:pPr>
             <a:r>
-              <a:rPr lang="en-IN" sz="2400" dirty="0" smtClean="0"/>
+              <a:rPr lang="en-IN" sz="2400" dirty="0"/>
               <a:t>Cluster-based</a:t>
             </a:r>
           </a:p>
@@ -3469,7 +3452,7 @@
               <a:buAutoNum type="arabicPeriod"/>
             </a:pPr>
             <a:r>
-              <a:rPr lang="en-IN" sz="2400" dirty="0" smtClean="0"/>
+              <a:rPr lang="en-IN" sz="2400" dirty="0"/>
               <a:t>Synthetic</a:t>
             </a:r>
           </a:p>
@@ -3479,7 +3462,7 @@
               <a:buAutoNum type="arabicPeriod"/>
             </a:pPr>
             <a:r>
-              <a:rPr lang="en-IN" sz="2400" dirty="0" smtClean="0"/>
+              <a:rPr lang="en-IN" sz="2400" dirty="0"/>
               <a:t>Modified synthetic </a:t>
             </a:r>
           </a:p>
@@ -3489,7 +3472,7 @@
               <a:buAutoNum type="arabicPeriod"/>
             </a:pPr>
             <a:r>
-              <a:rPr lang="en-IN" sz="2400" dirty="0" smtClean="0"/>
+              <a:rPr lang="en-IN" sz="2400" dirty="0"/>
               <a:t>Under sampling</a:t>
             </a:r>
           </a:p>
@@ -3499,7 +3482,7 @@
               <a:buAutoNum type="arabicPeriod"/>
             </a:pPr>
             <a:r>
-              <a:rPr lang="en-IN" sz="2400" dirty="0" smtClean="0"/>
+              <a:rPr lang="en-IN" sz="2400" dirty="0"/>
               <a:t>Random</a:t>
             </a:r>
           </a:p>
@@ -3508,65 +3491,7 @@
     </p:spTree>
     <p:extLst>
       <p:ext uri="{BB962C8B-B14F-4D97-AF65-F5344CB8AC3E}">
-        <p14:creationId xmlns:p14="http://schemas.microsoft.com/office/powerpoint/2010/main" xmlns="" val="2851339583"/>
-      </p:ext>
-    </p:extLst>
-  </p:cSld>
-  <p:clrMapOvr>
-    <a:masterClrMapping/>
-  </p:clrMapOvr>
-</p:sld>
-</file>
-
-<file path=ppt/slides/slide12.xml><?xml version="1.0" encoding="utf-8"?>
-<p:sld xmlns:a="http://schemas.openxmlformats.org/drawingml/2006/main" xmlns:r="http://schemas.openxmlformats.org/officeDocument/2006/relationships" xmlns:p="http://schemas.openxmlformats.org/presentationml/2006/main">
-  <p:cSld>
-    <p:spTree>
-      <p:nvGrpSpPr>
-        <p:cNvPr id="1" name=""/>
-        <p:cNvGrpSpPr/>
-        <p:nvPr/>
-      </p:nvGrpSpPr>
-      <p:grpSpPr>
-        <a:xfrm>
-          <a:off x="0" y="0"/>
-          <a:ext cx="0" cy="0"/>
-          <a:chOff x="0" y="0"/>
-          <a:chExt cx="0" cy="0"/>
-        </a:xfrm>
-      </p:grpSpPr>
-      <p:sp>
-        <p:nvSpPr>
-          <p:cNvPr id="2" name="Title 1"/>
-          <p:cNvSpPr>
-            <a:spLocks noGrp="1"/>
-          </p:cNvSpPr>
-          <p:nvPr>
-            <p:ph type="title"/>
-          </p:nvPr>
-        </p:nvSpPr>
-        <p:spPr>
-          <a:xfrm>
-            <a:off x="457200" y="274638"/>
-            <a:ext cx="8229600" cy="922114"/>
-          </a:xfrm>
-        </p:spPr>
-        <p:txBody>
-          <a:bodyPr/>
-          <a:lstStyle/>
-          <a:p>
-            <a:r>
-              <a:rPr lang="en-IN" dirty="0" smtClean="0"/>
-              <a:t>Mean based Comparison </a:t>
-            </a:r>
-            <a:endParaRPr lang="en-IN" dirty="0"/>
-          </a:p>
-        </p:txBody>
-      </p:sp>
-    </p:spTree>
-    <p:extLst>
-      <p:ext uri="{BB962C8B-B14F-4D97-AF65-F5344CB8AC3E}">
-        <p14:creationId xmlns:p14="http://schemas.microsoft.com/office/powerpoint/2010/main" xmlns="" val="3251696729"/>
+        <p14:creationId xmlns:p14="http://schemas.microsoft.com/office/powerpoint/2010/main" val="2851339583"/>
       </p:ext>
     </p:extLst>
   </p:cSld>
@@ -3614,10 +3539,9 @@
           <a:lstStyle/>
           <a:p>
             <a:r>
-              <a:rPr lang="en-IN" dirty="0" smtClean="0"/>
+              <a:rPr lang="en-IN" dirty="0"/>
               <a:t>Credit card fraud detection</a:t>
             </a:r>
-            <a:endParaRPr lang="en-IN" dirty="0"/>
           </a:p>
         </p:txBody>
       </p:sp>
@@ -3644,7 +3568,7 @@
           <a:lstStyle/>
           <a:p>
             <a:r>
-              <a:rPr lang="en-IN" sz="2400" b="1" dirty="0" smtClean="0"/>
+              <a:rPr lang="en-IN" sz="2400" b="1" dirty="0"/>
               <a:t>What is credit card fraud??</a:t>
             </a:r>
           </a:p>
@@ -3654,10 +3578,9 @@
               <a:buChar char="•"/>
             </a:pPr>
             <a:r>
-              <a:rPr lang="en-IN" sz="2400" dirty="0" smtClean="0"/>
+              <a:rPr lang="en-IN" sz="2400" dirty="0"/>
               <a:t>Credit-card fraud is a general term for the unauthorised use of funds in a transaction </a:t>
             </a:r>
-            <a:endParaRPr lang="en-IN" sz="2400" dirty="0"/>
           </a:p>
         </p:txBody>
       </p:sp>
@@ -3684,7 +3607,7 @@
           <a:lstStyle/>
           <a:p>
             <a:r>
-              <a:rPr lang="en-IN" sz="2400" b="1" dirty="0" smtClean="0"/>
+              <a:rPr lang="en-IN" sz="2400" b="1" dirty="0"/>
               <a:t>How it happens??</a:t>
             </a:r>
           </a:p>
@@ -3694,7 +3617,7 @@
               <a:buChar char="•"/>
             </a:pPr>
             <a:r>
-              <a:rPr lang="en-IN" sz="2400" dirty="0" smtClean="0"/>
+              <a:rPr lang="en-IN" sz="2400" dirty="0"/>
               <a:t>Incidents of fraud have been increased significantly in recent years with the rising popularity of online shopping and e-commerce</a:t>
             </a:r>
           </a:p>
@@ -3703,7 +3626,7 @@
               <a:buFont typeface="Arial" pitchFamily="34" charset="0"/>
               <a:buChar char="•"/>
             </a:pPr>
-            <a:endParaRPr lang="en-IN" sz="2400" dirty="0" smtClean="0"/>
+            <a:endParaRPr lang="en-IN" sz="2400" dirty="0"/>
           </a:p>
         </p:txBody>
       </p:sp>
@@ -3730,7 +3653,7 @@
           <a:lstStyle/>
           <a:p>
             <a:r>
-              <a:rPr lang="en-IN" sz="2400" b="1" dirty="0" smtClean="0"/>
+              <a:rPr lang="en-IN" sz="2400" b="1" dirty="0"/>
               <a:t>Detection process</a:t>
             </a:r>
           </a:p>
@@ -3740,25 +3663,24 @@
               <a:buChar char="•"/>
             </a:pPr>
             <a:r>
-              <a:rPr lang="en-IN" sz="2400" dirty="0" smtClean="0"/>
+              <a:rPr lang="en-IN" sz="2400" dirty="0"/>
               <a:t>By comparing </a:t>
             </a:r>
             <a:r>
-              <a:rPr lang="en-IN" sz="2400" dirty="0" err="1" smtClean="0"/>
+              <a:rPr lang="en-IN" sz="2400" dirty="0" err="1"/>
               <a:t>knn</a:t>
             </a:r>
             <a:r>
-              <a:rPr lang="en-IN" sz="2400" dirty="0" smtClean="0"/>
+              <a:rPr lang="en-IN" sz="2400" dirty="0"/>
               <a:t> and logistic regression we are going to explore which algorithm and combination of factor provides the most accurate method of classifying a credit card transaction as fraudulent  or non fraudulent</a:t>
             </a:r>
-            <a:endParaRPr lang="en-IN" sz="2400" dirty="0"/>
           </a:p>
         </p:txBody>
       </p:sp>
     </p:spTree>
     <p:extLst>
       <p:ext uri="{BB962C8B-B14F-4D97-AF65-F5344CB8AC3E}">
-        <p14:creationId xmlns:p14="http://schemas.microsoft.com/office/powerpoint/2010/main" xmlns="" val="1133322571"/>
+        <p14:creationId xmlns:p14="http://schemas.microsoft.com/office/powerpoint/2010/main" val="1133322571"/>
       </p:ext>
     </p:extLst>
   </p:cSld>
@@ -3803,10 +3725,9 @@
           <a:lstStyle/>
           <a:p>
             <a:r>
-              <a:rPr lang="en-IN" dirty="0" smtClean="0"/>
+              <a:rPr lang="en-IN" dirty="0"/>
               <a:t>Dataset –credit card fraud detection</a:t>
             </a:r>
-            <a:endParaRPr lang="en-IN" dirty="0"/>
           </a:p>
         </p:txBody>
       </p:sp>
@@ -3822,7 +3743,7 @@
           <a:blip r:embed="rId2">
             <a:extLst>
               <a:ext uri="{28A0092B-C50C-407E-A947-70E740481C1C}">
-                <a14:useLocalDpi xmlns:a14="http://schemas.microsoft.com/office/drawing/2010/main" xmlns="" val="0"/>
+                <a14:useLocalDpi xmlns:a14="http://schemas.microsoft.com/office/drawing/2010/main" val="0"/>
               </a:ext>
             </a:extLst>
           </a:blip>
@@ -3843,7 +3764,7 @@
     </p:spTree>
     <p:extLst>
       <p:ext uri="{BB962C8B-B14F-4D97-AF65-F5344CB8AC3E}">
-        <p14:creationId xmlns:p14="http://schemas.microsoft.com/office/powerpoint/2010/main" xmlns="" val="3284835207"/>
+        <p14:creationId xmlns:p14="http://schemas.microsoft.com/office/powerpoint/2010/main" val="3284835207"/>
       </p:ext>
     </p:extLst>
   </p:cSld>
@@ -3891,10 +3812,9 @@
           <a:lstStyle/>
           <a:p>
             <a:r>
-              <a:rPr lang="en-IN" dirty="0" smtClean="0"/>
+              <a:rPr lang="en-IN" dirty="0"/>
               <a:t>K-Nearest Neighbours(KNN)</a:t>
             </a:r>
-            <a:endParaRPr lang="en-IN" dirty="0"/>
           </a:p>
         </p:txBody>
       </p:sp>
@@ -3907,7 +3827,7 @@
         <p:spPr>
           <a:xfrm>
             <a:off x="0" y="1412776"/>
-            <a:ext cx="8964488" cy="3416320"/>
+            <a:ext cx="8964488" cy="3046988"/>
           </a:xfrm>
           <a:prstGeom prst="rect">
             <a:avLst/>
@@ -3925,7 +3845,7 @@
               <a:buChar char="•"/>
             </a:pPr>
             <a:r>
-              <a:rPr lang="en-IN" sz="2400" dirty="0" smtClean="0"/>
+              <a:rPr lang="en-IN" sz="2400" dirty="0"/>
               <a:t>K Nearest Neighbour algorithm is a clustering algorithm which predicts a data point’s attributes based on its relative position to other data points.</a:t>
             </a:r>
           </a:p>
@@ -3935,47 +3855,30 @@
               <a:buChar char="•"/>
             </a:pPr>
             <a:r>
-              <a:rPr lang="en-IN" sz="2400" dirty="0" smtClean="0"/>
+              <a:rPr lang="en-IN" sz="2400" dirty="0"/>
               <a:t>To discover the unknown  attribute , or factor , of a testing data point , </a:t>
             </a:r>
             <a:r>
-              <a:rPr lang="en-IN" sz="2400" dirty="0" err="1" smtClean="0"/>
+              <a:rPr lang="en-IN" sz="2400" dirty="0" err="1"/>
               <a:t>ts</a:t>
             </a:r>
             <a:r>
-              <a:rPr lang="en-IN" sz="2400" dirty="0" smtClean="0"/>
+              <a:rPr lang="en-IN" sz="2400" dirty="0"/>
               <a:t> </a:t>
             </a:r>
             <a:r>
-              <a:rPr lang="en-IN" sz="2400" dirty="0" err="1" smtClean="0"/>
+              <a:rPr lang="en-IN" sz="2400" dirty="0" err="1"/>
               <a:t>euclidean</a:t>
             </a:r>
             <a:r>
-              <a:rPr lang="en-IN" sz="2400" dirty="0" smtClean="0"/>
-              <a:t> distance in reference to the every other data point must be found</a:t>
-            </a:r>
-          </a:p>
-          <a:p>
-            <a:pPr lvl="6"/>
-            <a:r>
-              <a:rPr lang="en-IN" sz="2400" dirty="0" smtClean="0"/>
-              <a:t>Ed=</a:t>
-            </a:r>
-            <a:r>
-              <a:rPr lang="en-IN" sz="2400" dirty="0" err="1" smtClean="0"/>
-              <a:t>sqrt</a:t>
-            </a:r>
-            <a:r>
-              <a:rPr lang="en-IN" sz="2400" dirty="0" smtClean="0"/>
-              <a:t>(</a:t>
-            </a:r>
-          </a:p>
-          <a:p>
-            <a:pPr marL="342900" indent="-342900">
-              <a:buFont typeface="Arial" pitchFamily="34" charset="0"/>
-              <a:buChar char="•"/>
-            </a:pPr>
-            <a:endParaRPr lang="en-IN" sz="2400" dirty="0" smtClean="0"/>
+              <a:rPr lang="en-IN" sz="2400" dirty="0"/>
+              <a:t> distance in reference to the every other data point must </a:t>
+            </a:r>
+            <a:r>
+              <a:rPr lang="en-IN" sz="2400"/>
+              <a:t>be found</a:t>
+            </a:r>
+            <a:endParaRPr lang="en-IN" sz="2400" dirty="0"/>
           </a:p>
           <a:p>
             <a:pPr marL="342900" indent="-342900">
@@ -3984,12 +3887,19 @@
             </a:pPr>
             <a:endParaRPr lang="en-IN" sz="2400" dirty="0"/>
           </a:p>
+          <a:p>
+            <a:pPr marL="342900" indent="-342900">
+              <a:buFont typeface="Arial" pitchFamily="34" charset="0"/>
+              <a:buChar char="•"/>
+            </a:pPr>
+            <a:endParaRPr lang="en-IN" sz="2400" dirty="0"/>
+          </a:p>
         </p:txBody>
       </p:sp>
     </p:spTree>
     <p:extLst>
       <p:ext uri="{BB962C8B-B14F-4D97-AF65-F5344CB8AC3E}">
-        <p14:creationId xmlns:p14="http://schemas.microsoft.com/office/powerpoint/2010/main" xmlns="" val="1117129963"/>
+        <p14:creationId xmlns:p14="http://schemas.microsoft.com/office/powerpoint/2010/main" val="1117129963"/>
       </p:ext>
     </p:extLst>
   </p:cSld>
@@ -4037,10 +3947,9 @@
           <a:lstStyle/>
           <a:p>
             <a:r>
-              <a:rPr lang="en-IN" dirty="0" smtClean="0"/>
+              <a:rPr lang="en-IN" dirty="0"/>
               <a:t>Logistic Regression</a:t>
             </a:r>
-            <a:endParaRPr lang="en-IN" dirty="0"/>
           </a:p>
         </p:txBody>
       </p:sp>
@@ -4067,30 +3976,21 @@
           <a:lstStyle/>
           <a:p>
             <a:r>
-              <a:rPr lang="en-IN" sz="2400" dirty="0" smtClean="0"/>
+              <a:rPr lang="en-IN" sz="2400" dirty="0"/>
               <a:t>	Logistic regression algorithm use both logistic regression and sigmoid  function to perform binary classification based on different  factors within the dataset.</a:t>
             </a:r>
           </a:p>
           <a:p>
             <a:r>
               <a:rPr lang="en-IN" sz="2400" dirty="0"/>
-              <a:t>	</a:t>
-            </a:r>
-            <a:r>
-              <a:rPr lang="en-IN" sz="2400" dirty="0" smtClean="0"/>
-              <a:t>	y’=1/(1+e^(z))</a:t>
+              <a:t>		y’=1/(1+e^(z))</a:t>
             </a:r>
           </a:p>
           <a:p>
             <a:r>
               <a:rPr lang="en-IN" sz="2400" dirty="0"/>
-              <a:t>	T</a:t>
-            </a:r>
-            <a:r>
-              <a:rPr lang="en-IN" sz="2400" dirty="0" smtClean="0"/>
-              <a:t>he sigmoid function is used to find the probability of a binary classification. </a:t>
-            </a:r>
-            <a:endParaRPr lang="en-IN" sz="2400" dirty="0"/>
+              <a:t>	The sigmoid function is used to find the probability of a binary classification. </a:t>
+            </a:r>
           </a:p>
         </p:txBody>
       </p:sp>
@@ -4106,7 +4006,7 @@
           <a:blip r:embed="rId2" cstate="print">
             <a:extLst>
               <a:ext uri="{28A0092B-C50C-407E-A947-70E740481C1C}">
-                <a14:useLocalDpi xmlns:a14="http://schemas.microsoft.com/office/drawing/2010/main" xmlns="" val="0"/>
+                <a14:useLocalDpi xmlns:a14="http://schemas.microsoft.com/office/drawing/2010/main" val="0"/>
               </a:ext>
             </a:extLst>
           </a:blip>
@@ -4126,7 +4026,7 @@
     </p:spTree>
     <p:extLst>
       <p:ext uri="{BB962C8B-B14F-4D97-AF65-F5344CB8AC3E}">
-        <p14:creationId xmlns:p14="http://schemas.microsoft.com/office/powerpoint/2010/main" xmlns="" val="2455700021"/>
+        <p14:creationId xmlns:p14="http://schemas.microsoft.com/office/powerpoint/2010/main" val="2455700021"/>
       </p:ext>
     </p:extLst>
   </p:cSld>
@@ -4176,17 +4076,52 @@
           <a:lstStyle/>
           <a:p>
             <a:r>
-              <a:rPr lang="en-IN" dirty="0" smtClean="0"/>
+              <a:rPr lang="en-IN" dirty="0"/>
               <a:t>Decision tree</a:t>
             </a:r>
-            <a:endParaRPr lang="en-IN" dirty="0"/>
-          </a:p>
-        </p:txBody>
-      </p:sp>
+          </a:p>
+        </p:txBody>
+      </p:sp>
+      <p:pic>
+        <p:nvPicPr>
+          <p:cNvPr id="3" name="Picture 3">
+            <a:extLst>
+              <a:ext uri="{FF2B5EF4-FFF2-40B4-BE49-F238E27FC236}">
+                <a16:creationId xmlns:a16="http://schemas.microsoft.com/office/drawing/2014/main" id="{F68FD46A-1E40-3245-84D7-02BAA0D43988}"/>
+              </a:ext>
+            </a:extLst>
+          </p:cNvPr>
+          <p:cNvPicPr>
+            <a:picLocks noChangeAspect="1"/>
+          </p:cNvPicPr>
+          <p:nvPr/>
+        </p:nvPicPr>
+        <p:blipFill>
+          <a:blip r:embed="rId2">
+            <a:extLst>
+              <a:ext uri="{28A0092B-C50C-407E-A947-70E740481C1C}">
+                <a14:useLocalDpi xmlns:a14="http://schemas.microsoft.com/office/drawing/2010/main" val="0"/>
+              </a:ext>
+            </a:extLst>
+          </a:blip>
+          <a:stretch>
+            <a:fillRect/>
+          </a:stretch>
+        </p:blipFill>
+        <p:spPr>
+          <a:xfrm>
+            <a:off x="1524000" y="1711498"/>
+            <a:ext cx="6096000" cy="3435003"/>
+          </a:xfrm>
+          <a:prstGeom prst="rect">
+            <a:avLst/>
+          </a:prstGeom>
+        </p:spPr>
+      </p:pic>
     </p:spTree>
     <p:extLst>
       <p:ext uri="{BB962C8B-B14F-4D97-AF65-F5344CB8AC3E}">
-        <p14:creationId xmlns:p14="http://schemas.microsoft.com/office/powerpoint/2010/main" xmlns="" val="944738461"/>
+        <p14:creationId xmlns:p14="http://schemas.microsoft.com/office/powerpoint/2010/main" val="944738461"/>
       </p:ext>
     </p:extLst>
   </p:cSld>
@@ -4234,10 +4169,9 @@
           <a:lstStyle/>
           <a:p>
             <a:r>
-              <a:rPr lang="en-IN" dirty="0" smtClean="0"/>
+              <a:rPr lang="en-IN" dirty="0"/>
               <a:t>Results.</a:t>
             </a:r>
-            <a:endParaRPr lang="en-IN" dirty="0"/>
           </a:p>
         </p:txBody>
       </p:sp>
@@ -4253,7 +4187,7 @@
           <a:blip r:embed="rId2">
             <a:extLst>
               <a:ext uri="{28A0092B-C50C-407E-A947-70E740481C1C}">
-                <a14:useLocalDpi xmlns:a14="http://schemas.microsoft.com/office/drawing/2010/main" xmlns="" val="0"/>
+                <a14:useLocalDpi xmlns:a14="http://schemas.microsoft.com/office/drawing/2010/main" val="0"/>
               </a:ext>
             </a:extLst>
           </a:blip>
@@ -4282,7 +4216,7 @@
           <a:blip r:embed="rId3">
             <a:extLst>
               <a:ext uri="{28A0092B-C50C-407E-A947-70E740481C1C}">
-                <a14:useLocalDpi xmlns:a14="http://schemas.microsoft.com/office/drawing/2010/main" xmlns="" val="0"/>
+                <a14:useLocalDpi xmlns:a14="http://schemas.microsoft.com/office/drawing/2010/main" val="0"/>
               </a:ext>
             </a:extLst>
           </a:blip>
@@ -4302,7 +4236,7 @@
     </p:spTree>
     <p:extLst>
       <p:ext uri="{BB962C8B-B14F-4D97-AF65-F5344CB8AC3E}">
-        <p14:creationId xmlns:p14="http://schemas.microsoft.com/office/powerpoint/2010/main" xmlns="" val="3717786821"/>
+        <p14:creationId xmlns:p14="http://schemas.microsoft.com/office/powerpoint/2010/main" val="3717786821"/>
       </p:ext>
     </p:extLst>
   </p:cSld>
@@ -4350,10 +4284,9 @@
           <a:lstStyle/>
           <a:p>
             <a:r>
-              <a:rPr lang="en-IN" dirty="0" smtClean="0"/>
+              <a:rPr lang="en-IN" dirty="0"/>
               <a:t>Confusion matrix</a:t>
             </a:r>
-            <a:endParaRPr lang="en-IN" dirty="0"/>
           </a:p>
         </p:txBody>
       </p:sp>
@@ -4380,10 +4313,9 @@
           <a:lstStyle/>
           <a:p>
             <a:r>
-              <a:rPr lang="en-IN" sz="2400" dirty="0" smtClean="0"/>
+              <a:rPr lang="en-IN" sz="2400" dirty="0"/>
               <a:t>	The quantification of true positives, false positives, false negatives and true negatives was represented by confusion matrix.</a:t>
             </a:r>
-            <a:endParaRPr lang="en-IN" sz="2400" dirty="0"/>
           </a:p>
         </p:txBody>
       </p:sp>
@@ -4399,7 +4331,7 @@
           <a:blip r:embed="rId2" cstate="print">
             <a:extLst>
               <a:ext uri="{28A0092B-C50C-407E-A947-70E740481C1C}">
-                <a14:useLocalDpi xmlns:a14="http://schemas.microsoft.com/office/drawing/2010/main" xmlns="" val="0"/>
+                <a14:useLocalDpi xmlns:a14="http://schemas.microsoft.com/office/drawing/2010/main" val="0"/>
               </a:ext>
             </a:extLst>
           </a:blip>
@@ -4419,7 +4351,7 @@
     </p:spTree>
     <p:extLst>
       <p:ext uri="{BB962C8B-B14F-4D97-AF65-F5344CB8AC3E}">
-        <p14:creationId xmlns:p14="http://schemas.microsoft.com/office/powerpoint/2010/main" xmlns="" val="435701629"/>
+        <p14:creationId xmlns:p14="http://schemas.microsoft.com/office/powerpoint/2010/main" val="435701629"/>
       </p:ext>
     </p:extLst>
   </p:cSld>
@@ -4462,10 +4394,9 @@
           <a:lstStyle/>
           <a:p>
             <a:r>
-              <a:rPr lang="en-IN" dirty="0" smtClean="0"/>
+              <a:rPr lang="en-IN" dirty="0"/>
               <a:t>Result.</a:t>
             </a:r>
-            <a:endParaRPr lang="en-IN" dirty="0"/>
           </a:p>
         </p:txBody>
       </p:sp>
@@ -4481,7 +4412,7 @@
           <a:blip r:embed="rId2">
             <a:extLst>
               <a:ext uri="{28A0092B-C50C-407E-A947-70E740481C1C}">
-                <a14:useLocalDpi xmlns:a14="http://schemas.microsoft.com/office/drawing/2010/main" xmlns="" val="0"/>
+                <a14:useLocalDpi xmlns:a14="http://schemas.microsoft.com/office/drawing/2010/main" val="0"/>
               </a:ext>
             </a:extLst>
           </a:blip>
@@ -4501,7 +4432,7 @@
     </p:spTree>
     <p:extLst>
       <p:ext uri="{BB962C8B-B14F-4D97-AF65-F5344CB8AC3E}">
-        <p14:creationId xmlns:p14="http://schemas.microsoft.com/office/powerpoint/2010/main" xmlns="" val="2383956147"/>
+        <p14:creationId xmlns:p14="http://schemas.microsoft.com/office/powerpoint/2010/main" val="2383956147"/>
       </p:ext>
     </p:extLst>
   </p:cSld>
